--- a/TechDayPowerBi.pptx
+++ b/TechDayPowerBi.pptx
@@ -6308,7 +6308,7 @@
         <p:spPr>
           <a:xfrm>
             <a:off x="687843" y="1366344"/>
-            <a:ext cx="10804635" cy="4801314"/>
+            <a:ext cx="10804635" cy="5078313"/>
           </a:xfrm>
           <a:prstGeom prst="rect">
             <a:avLst/>
@@ -6508,9 +6508,16 @@
                   </a:extLst>
                 </a:hlinkClick>
               </a:rPr>
-              <a:t>https://github.com/andrealss</a:t>
+              <a:t>https://github.com/andrealss/PowerBI-BragancaTechDay.git</a:t>
             </a:r>
             <a:endParaRPr lang="en-US" dirty="0">
+              <a:solidFill>
+                <a:srgbClr val="0070C0"/>
+              </a:solidFill>
+            </a:endParaRPr>
+          </a:p>
+          <a:p>
+            <a:endParaRPr lang="pt-BR" dirty="0">
               <a:solidFill>
                 <a:srgbClr val="0070C0"/>
               </a:solidFill>

--- a/TechDayPowerBi.pptx
+++ b/TechDayPowerBi.pptx
@@ -318,7 +318,7 @@
           <a:p>
             <a:fld id="{7BB8A116-800F-4AE8-9ABF-9621476CC734}" type="datetimeFigureOut">
               <a:rPr lang="pt-BR" smtClean="0"/>
-              <a:t>20/05/2019</a:t>
+              <a:t>23/05/2019</a:t>
             </a:fld>
             <a:endParaRPr lang="pt-BR"/>
           </a:p>
@@ -488,7 +488,7 @@
           <a:p>
             <a:fld id="{7BB8A116-800F-4AE8-9ABF-9621476CC734}" type="datetimeFigureOut">
               <a:rPr lang="pt-BR" smtClean="0"/>
-              <a:t>20/05/2019</a:t>
+              <a:t>23/05/2019</a:t>
             </a:fld>
             <a:endParaRPr lang="pt-BR"/>
           </a:p>
@@ -668,7 +668,7 @@
           <a:p>
             <a:fld id="{7BB8A116-800F-4AE8-9ABF-9621476CC734}" type="datetimeFigureOut">
               <a:rPr lang="pt-BR" smtClean="0"/>
-              <a:t>20/05/2019</a:t>
+              <a:t>23/05/2019</a:t>
             </a:fld>
             <a:endParaRPr lang="pt-BR"/>
           </a:p>
@@ -838,7 +838,7 @@
           <a:p>
             <a:fld id="{7BB8A116-800F-4AE8-9ABF-9621476CC734}" type="datetimeFigureOut">
               <a:rPr lang="pt-BR" smtClean="0"/>
-              <a:t>20/05/2019</a:t>
+              <a:t>23/05/2019</a:t>
             </a:fld>
             <a:endParaRPr lang="pt-BR"/>
           </a:p>
@@ -1084,7 +1084,7 @@
           <a:p>
             <a:fld id="{7BB8A116-800F-4AE8-9ABF-9621476CC734}" type="datetimeFigureOut">
               <a:rPr lang="pt-BR" smtClean="0"/>
-              <a:t>20/05/2019</a:t>
+              <a:t>23/05/2019</a:t>
             </a:fld>
             <a:endParaRPr lang="pt-BR"/>
           </a:p>
@@ -1316,7 +1316,7 @@
           <a:p>
             <a:fld id="{7BB8A116-800F-4AE8-9ABF-9621476CC734}" type="datetimeFigureOut">
               <a:rPr lang="pt-BR" smtClean="0"/>
-              <a:t>20/05/2019</a:t>
+              <a:t>23/05/2019</a:t>
             </a:fld>
             <a:endParaRPr lang="pt-BR"/>
           </a:p>
@@ -1683,7 +1683,7 @@
           <a:p>
             <a:fld id="{7BB8A116-800F-4AE8-9ABF-9621476CC734}" type="datetimeFigureOut">
               <a:rPr lang="pt-BR" smtClean="0"/>
-              <a:t>20/05/2019</a:t>
+              <a:t>23/05/2019</a:t>
             </a:fld>
             <a:endParaRPr lang="pt-BR"/>
           </a:p>
@@ -1801,7 +1801,7 @@
           <a:p>
             <a:fld id="{7BB8A116-800F-4AE8-9ABF-9621476CC734}" type="datetimeFigureOut">
               <a:rPr lang="pt-BR" smtClean="0"/>
-              <a:t>20/05/2019</a:t>
+              <a:t>23/05/2019</a:t>
             </a:fld>
             <a:endParaRPr lang="pt-BR"/>
           </a:p>
@@ -1896,7 +1896,7 @@
           <a:p>
             <a:fld id="{7BB8A116-800F-4AE8-9ABF-9621476CC734}" type="datetimeFigureOut">
               <a:rPr lang="pt-BR" smtClean="0"/>
-              <a:t>20/05/2019</a:t>
+              <a:t>23/05/2019</a:t>
             </a:fld>
             <a:endParaRPr lang="pt-BR"/>
           </a:p>
@@ -2173,7 +2173,7 @@
           <a:p>
             <a:fld id="{7BB8A116-800F-4AE8-9ABF-9621476CC734}" type="datetimeFigureOut">
               <a:rPr lang="pt-BR" smtClean="0"/>
-              <a:t>20/05/2019</a:t>
+              <a:t>23/05/2019</a:t>
             </a:fld>
             <a:endParaRPr lang="pt-BR"/>
           </a:p>
@@ -2430,7 +2430,7 @@
           <a:p>
             <a:fld id="{7BB8A116-800F-4AE8-9ABF-9621476CC734}" type="datetimeFigureOut">
               <a:rPr lang="pt-BR" smtClean="0"/>
-              <a:t>20/05/2019</a:t>
+              <a:t>23/05/2019</a:t>
             </a:fld>
             <a:endParaRPr lang="pt-BR"/>
           </a:p>
@@ -2643,7 +2643,7 @@
           <a:p>
             <a:fld id="{7BB8A116-800F-4AE8-9ABF-9621476CC734}" type="datetimeFigureOut">
               <a:rPr lang="pt-BR" smtClean="0"/>
-              <a:t>20/05/2019</a:t>
+              <a:t>23/05/2019</a:t>
             </a:fld>
             <a:endParaRPr lang="pt-BR"/>
           </a:p>
@@ -4996,8 +4996,8 @@
         </p:nvSpPr>
         <p:spPr>
           <a:xfrm>
-            <a:off x="2443198" y="772566"/>
-            <a:ext cx="4448758" cy="1384995"/>
+            <a:off x="2443197" y="772566"/>
+            <a:ext cx="4721419" cy="1107996"/>
           </a:xfrm>
           <a:prstGeom prst="rect">
             <a:avLst/>
@@ -5020,26 +5020,34 @@
           <a:p>
             <a:pPr fontAlgn="base"/>
             <a:r>
-              <a:rPr lang="pt-BR" sz="1600" dirty="0" err="1"/>
+              <a:rPr lang="pt-BR" sz="1400" dirty="0" err="1"/>
               <a:t>Information</a:t>
             </a:r>
             <a:r>
-              <a:rPr lang="pt-BR" sz="1600" dirty="0"/>
+              <a:rPr lang="pt-BR" sz="1400" dirty="0"/>
               <a:t> Technology </a:t>
             </a:r>
             <a:r>
-              <a:rPr lang="pt-BR" sz="1600" dirty="0" err="1"/>
+              <a:rPr lang="pt-BR" sz="1400" dirty="0" err="1"/>
               <a:t>Analyst</a:t>
             </a:r>
             <a:r>
-              <a:rPr lang="pt-BR" sz="1600" dirty="0"/>
+              <a:rPr lang="pt-BR" sz="1400" dirty="0"/>
               <a:t>  @Grupo </a:t>
             </a:r>
             <a:r>
-              <a:rPr lang="pt-BR" sz="1600" dirty="0" err="1"/>
+              <a:rPr lang="pt-BR" sz="1400" dirty="0" err="1"/>
               <a:t>Natu-Bell</a:t>
             </a:r>
-            <a:endParaRPr lang="pt-BR" sz="1600" dirty="0"/>
+            <a:r>
+              <a:rPr lang="pt-BR" sz="1400" dirty="0"/>
+              <a:t> | </a:t>
+            </a:r>
+            <a:r>
+              <a:rPr lang="pt-BR" sz="1400" dirty="0" err="1"/>
+              <a:t>Katiguá</a:t>
+            </a:r>
+            <a:endParaRPr lang="pt-BR" sz="1400" dirty="0"/>
           </a:p>
           <a:p>
             <a:pPr fontAlgn="base"/>
@@ -5047,19 +5055,6 @@
               <a:rPr lang="pt-BR" sz="1600" b="1" dirty="0"/>
               <a:t>Cofundador do projeto sisdata tecnologia</a:t>
             </a:r>
-          </a:p>
-          <a:p>
-            <a:pPr fontAlgn="base"/>
-            <a:r>
-              <a:rPr lang="fr-FR" sz="1600" dirty="0">
-                <a:latin typeface="-apple-system"/>
-              </a:rPr>
-              <a:t>28 Anos</a:t>
-            </a:r>
-            <a:endParaRPr lang="fr-FR" sz="1600" b="0" i="0" dirty="0">
-              <a:effectLst/>
-              <a:latin typeface="-apple-system"/>
-            </a:endParaRPr>
           </a:p>
         </p:txBody>
       </p:sp>
@@ -5565,10 +5560,10 @@
       </p:cxnSp>
       <p:pic>
         <p:nvPicPr>
-          <p:cNvPr id="56" name="Imagem 55">
-            <a:extLst>
-              <a:ext uri="{FF2B5EF4-FFF2-40B4-BE49-F238E27FC236}">
-                <a16:creationId xmlns:a16="http://schemas.microsoft.com/office/drawing/2014/main" id="{0B1913EC-A764-4688-800B-3386E5BFA67F}"/>
+          <p:cNvPr id="59" name="Imagem 58">
+            <a:extLst>
+              <a:ext uri="{FF2B5EF4-FFF2-40B4-BE49-F238E27FC236}">
+                <a16:creationId xmlns:a16="http://schemas.microsoft.com/office/drawing/2014/main" id="{D2D6C908-41DB-47CB-8DC4-CFBC2E91518A}"/>
               </a:ext>
             </a:extLst>
           </p:cNvPr>
@@ -5585,8 +5580,8 @@
         </p:blipFill>
         <p:spPr>
           <a:xfrm>
-            <a:off x="7687168" y="845170"/>
-            <a:ext cx="3899813" cy="1107080"/>
+            <a:off x="7592813" y="1925633"/>
+            <a:ext cx="4150264" cy="1287217"/>
           </a:xfrm>
           <a:prstGeom prst="rect">
             <a:avLst/>
@@ -5595,10 +5590,10 @@
       </p:pic>
       <p:pic>
         <p:nvPicPr>
-          <p:cNvPr id="57" name="Imagem 56" descr="Uma imagem contendo clip-art&#10;&#10;Descrição gerada automaticamente">
-            <a:extLst>
-              <a:ext uri="{FF2B5EF4-FFF2-40B4-BE49-F238E27FC236}">
-                <a16:creationId xmlns:a16="http://schemas.microsoft.com/office/drawing/2014/main" id="{8A4D657D-ADFC-4D01-BBC2-19535B882DBC}"/>
+          <p:cNvPr id="61" name="Imagem 60">
+            <a:extLst>
+              <a:ext uri="{FF2B5EF4-FFF2-40B4-BE49-F238E27FC236}">
+                <a16:creationId xmlns:a16="http://schemas.microsoft.com/office/drawing/2014/main" id="{185E2B35-8137-42D5-BAF8-C82F949DCE99}"/>
               </a:ext>
             </a:extLst>
           </p:cNvPr>
@@ -5608,21 +5603,15 @@
           <p:nvPr/>
         </p:nvPicPr>
         <p:blipFill>
-          <a:blip r:embed="rId8">
-            <a:extLst>
-              <a:ext uri="{28A0092B-C50C-407E-A947-70E740481C1C}">
-                <a14:useLocalDpi xmlns:a14="http://schemas.microsoft.com/office/drawing/2010/main" val="0"/>
-              </a:ext>
-            </a:extLst>
-          </a:blip>
+          <a:blip r:embed="rId8"/>
           <a:stretch>
             <a:fillRect/>
           </a:stretch>
         </p:blipFill>
         <p:spPr>
           <a:xfrm>
-            <a:off x="7687167" y="889996"/>
-            <a:ext cx="719675" cy="570942"/>
+            <a:off x="7601932" y="4212899"/>
+            <a:ext cx="4132026" cy="1287217"/>
           </a:xfrm>
           <a:prstGeom prst="rect">
             <a:avLst/>
@@ -5631,10 +5620,10 @@
       </p:pic>
       <p:pic>
         <p:nvPicPr>
-          <p:cNvPr id="59" name="Imagem 58">
-            <a:extLst>
-              <a:ext uri="{FF2B5EF4-FFF2-40B4-BE49-F238E27FC236}">
-                <a16:creationId xmlns:a16="http://schemas.microsoft.com/office/drawing/2014/main" id="{D2D6C908-41DB-47CB-8DC4-CFBC2E91518A}"/>
+          <p:cNvPr id="62" name="Imagem 61">
+            <a:extLst>
+              <a:ext uri="{FF2B5EF4-FFF2-40B4-BE49-F238E27FC236}">
+                <a16:creationId xmlns:a16="http://schemas.microsoft.com/office/drawing/2014/main" id="{5869B212-2077-41B1-A893-AE0750DF0300}"/>
               </a:ext>
             </a:extLst>
           </p:cNvPr>
@@ -5651,8 +5640,8 @@
         </p:blipFill>
         <p:spPr>
           <a:xfrm>
-            <a:off x="7592813" y="1925633"/>
-            <a:ext cx="4150264" cy="1287217"/>
+            <a:off x="7601932" y="3125944"/>
+            <a:ext cx="4106901" cy="1200478"/>
           </a:xfrm>
           <a:prstGeom prst="rect">
             <a:avLst/>
@@ -5661,10 +5650,10 @@
       </p:pic>
       <p:pic>
         <p:nvPicPr>
-          <p:cNvPr id="61" name="Imagem 60">
-            <a:extLst>
-              <a:ext uri="{FF2B5EF4-FFF2-40B4-BE49-F238E27FC236}">
-                <a16:creationId xmlns:a16="http://schemas.microsoft.com/office/drawing/2014/main" id="{185E2B35-8137-42D5-BAF8-C82F949DCE99}"/>
+          <p:cNvPr id="63" name="Imagem 62">
+            <a:extLst>
+              <a:ext uri="{FF2B5EF4-FFF2-40B4-BE49-F238E27FC236}">
+                <a16:creationId xmlns:a16="http://schemas.microsoft.com/office/drawing/2014/main" id="{7E67194E-A53D-43FB-943B-C197FD7FEAEB}"/>
               </a:ext>
             </a:extLst>
           </p:cNvPr>
@@ -5681,8 +5670,8 @@
         </p:blipFill>
         <p:spPr>
           <a:xfrm>
-            <a:off x="7601932" y="4212899"/>
-            <a:ext cx="4132026" cy="1287217"/>
+            <a:off x="7697128" y="5500116"/>
+            <a:ext cx="4127761" cy="1135711"/>
           </a:xfrm>
           <a:prstGeom prst="rect">
             <a:avLst/>
@@ -5691,10 +5680,10 @@
       </p:pic>
       <p:pic>
         <p:nvPicPr>
-          <p:cNvPr id="62" name="Imagem 61">
-            <a:extLst>
-              <a:ext uri="{FF2B5EF4-FFF2-40B4-BE49-F238E27FC236}">
-                <a16:creationId xmlns:a16="http://schemas.microsoft.com/office/drawing/2014/main" id="{5869B212-2077-41B1-A893-AE0750DF0300}"/>
+          <p:cNvPr id="4096" name="Imagem 4095">
+            <a:extLst>
+              <a:ext uri="{FF2B5EF4-FFF2-40B4-BE49-F238E27FC236}">
+                <a16:creationId xmlns:a16="http://schemas.microsoft.com/office/drawing/2014/main" id="{9448D58A-ED4D-4807-AED0-2F5A1BD423C7}"/>
               </a:ext>
             </a:extLst>
           </p:cNvPr>
@@ -5711,66 +5700,6 @@
         </p:blipFill>
         <p:spPr>
           <a:xfrm>
-            <a:off x="7601932" y="3125944"/>
-            <a:ext cx="4106901" cy="1200478"/>
-          </a:xfrm>
-          <a:prstGeom prst="rect">
-            <a:avLst/>
-          </a:prstGeom>
-        </p:spPr>
-      </p:pic>
-      <p:pic>
-        <p:nvPicPr>
-          <p:cNvPr id="63" name="Imagem 62">
-            <a:extLst>
-              <a:ext uri="{FF2B5EF4-FFF2-40B4-BE49-F238E27FC236}">
-                <a16:creationId xmlns:a16="http://schemas.microsoft.com/office/drawing/2014/main" id="{7E67194E-A53D-43FB-943B-C197FD7FEAEB}"/>
-              </a:ext>
-            </a:extLst>
-          </p:cNvPr>
-          <p:cNvPicPr>
-            <a:picLocks noChangeAspect="1"/>
-          </p:cNvPicPr>
-          <p:nvPr/>
-        </p:nvPicPr>
-        <p:blipFill>
-          <a:blip r:embed="rId12"/>
-          <a:stretch>
-            <a:fillRect/>
-          </a:stretch>
-        </p:blipFill>
-        <p:spPr>
-          <a:xfrm>
-            <a:off x="7697128" y="5500116"/>
-            <a:ext cx="4127761" cy="1135711"/>
-          </a:xfrm>
-          <a:prstGeom prst="rect">
-            <a:avLst/>
-          </a:prstGeom>
-        </p:spPr>
-      </p:pic>
-      <p:pic>
-        <p:nvPicPr>
-          <p:cNvPr id="4096" name="Imagem 4095">
-            <a:extLst>
-              <a:ext uri="{FF2B5EF4-FFF2-40B4-BE49-F238E27FC236}">
-                <a16:creationId xmlns:a16="http://schemas.microsoft.com/office/drawing/2014/main" id="{9448D58A-ED4D-4807-AED0-2F5A1BD423C7}"/>
-              </a:ext>
-            </a:extLst>
-          </p:cNvPr>
-          <p:cNvPicPr>
-            <a:picLocks noChangeAspect="1"/>
-          </p:cNvPicPr>
-          <p:nvPr/>
-        </p:nvPicPr>
-        <p:blipFill>
-          <a:blip r:embed="rId13"/>
-          <a:stretch>
-            <a:fillRect/>
-          </a:stretch>
-        </p:blipFill>
-        <p:spPr>
-          <a:xfrm>
             <a:off x="255733" y="4868182"/>
             <a:ext cx="609600" cy="571500"/>
           </a:xfrm>
@@ -5794,7 +5723,7 @@
           <p:nvPr/>
         </p:nvPicPr>
         <p:blipFill>
-          <a:blip r:embed="rId14">
+          <a:blip r:embed="rId12">
             <a:extLst>
               <a:ext uri="{28A0092B-C50C-407E-A947-70E740481C1C}">
                 <a14:useLocalDpi xmlns:a14="http://schemas.microsoft.com/office/drawing/2010/main" val="0"/>
@@ -5841,6 +5770,36 @@
           <p:nvPr/>
         </p:nvPicPr>
         <p:blipFill>
+          <a:blip r:embed="rId11"/>
+          <a:stretch>
+            <a:fillRect/>
+          </a:stretch>
+        </p:blipFill>
+        <p:spPr>
+          <a:xfrm>
+            <a:off x="3196002" y="4977967"/>
+            <a:ext cx="609600" cy="571500"/>
+          </a:xfrm>
+          <a:prstGeom prst="rect">
+            <a:avLst/>
+          </a:prstGeom>
+        </p:spPr>
+      </p:pic>
+      <p:pic>
+        <p:nvPicPr>
+          <p:cNvPr id="70" name="Imagem 69">
+            <a:extLst>
+              <a:ext uri="{FF2B5EF4-FFF2-40B4-BE49-F238E27FC236}">
+                <a16:creationId xmlns:a16="http://schemas.microsoft.com/office/drawing/2014/main" id="{0A803028-EE85-4E21-8C5F-07747D6F2A7E}"/>
+              </a:ext>
+            </a:extLst>
+          </p:cNvPr>
+          <p:cNvPicPr>
+            <a:picLocks noChangeAspect="1"/>
+          </p:cNvPicPr>
+          <p:nvPr/>
+        </p:nvPicPr>
+        <p:blipFill>
           <a:blip r:embed="rId13"/>
           <a:stretch>
             <a:fillRect/>
@@ -5848,8 +5807,8 @@
         </p:blipFill>
         <p:spPr>
           <a:xfrm>
-            <a:off x="3196002" y="4977967"/>
-            <a:ext cx="609600" cy="571500"/>
+            <a:off x="3099009" y="4971554"/>
+            <a:ext cx="803586" cy="389618"/>
           </a:xfrm>
           <a:prstGeom prst="rect">
             <a:avLst/>
@@ -5858,10 +5817,10 @@
       </p:pic>
       <p:pic>
         <p:nvPicPr>
-          <p:cNvPr id="70" name="Imagem 69">
-            <a:extLst>
-              <a:ext uri="{FF2B5EF4-FFF2-40B4-BE49-F238E27FC236}">
-                <a16:creationId xmlns:a16="http://schemas.microsoft.com/office/drawing/2014/main" id="{0A803028-EE85-4E21-8C5F-07747D6F2A7E}"/>
+          <p:cNvPr id="4100" name="Imagem 4099">
+            <a:extLst>
+              <a:ext uri="{FF2B5EF4-FFF2-40B4-BE49-F238E27FC236}">
+                <a16:creationId xmlns:a16="http://schemas.microsoft.com/office/drawing/2014/main" id="{5BDD5862-CF94-4A7D-A700-D48392EF0712}"/>
               </a:ext>
             </a:extLst>
           </p:cNvPr>
@@ -5871,43 +5830,13 @@
           <p:nvPr/>
         </p:nvPicPr>
         <p:blipFill>
-          <a:blip r:embed="rId15"/>
+          <a:blip r:embed="rId14"/>
           <a:stretch>
             <a:fillRect/>
           </a:stretch>
         </p:blipFill>
         <p:spPr>
           <a:xfrm>
-            <a:off x="3099009" y="4971554"/>
-            <a:ext cx="803586" cy="389618"/>
-          </a:xfrm>
-          <a:prstGeom prst="rect">
-            <a:avLst/>
-          </a:prstGeom>
-        </p:spPr>
-      </p:pic>
-      <p:pic>
-        <p:nvPicPr>
-          <p:cNvPr id="4100" name="Imagem 4099">
-            <a:extLst>
-              <a:ext uri="{FF2B5EF4-FFF2-40B4-BE49-F238E27FC236}">
-                <a16:creationId xmlns:a16="http://schemas.microsoft.com/office/drawing/2014/main" id="{5BDD5862-CF94-4A7D-A700-D48392EF0712}"/>
-              </a:ext>
-            </a:extLst>
-          </p:cNvPr>
-          <p:cNvPicPr>
-            <a:picLocks noChangeAspect="1"/>
-          </p:cNvPicPr>
-          <p:nvPr/>
-        </p:nvPicPr>
-        <p:blipFill>
-          <a:blip r:embed="rId16"/>
-          <a:stretch>
-            <a:fillRect/>
-          </a:stretch>
-        </p:blipFill>
-        <p:spPr>
-          <a:xfrm>
             <a:off x="232036" y="5717324"/>
             <a:ext cx="6537532" cy="1091901"/>
           </a:xfrm>
@@ -5931,7 +5860,7 @@
           <p:nvPr/>
         </p:nvPicPr>
         <p:blipFill>
-          <a:blip r:embed="rId17">
+          <a:blip r:embed="rId15">
             <a:extLst>
               <a:ext uri="{28A0092B-C50C-407E-A947-70E740481C1C}">
                 <a14:useLocalDpi xmlns:a14="http://schemas.microsoft.com/office/drawing/2010/main" val="0"/>
@@ -5967,7 +5896,7 @@
           <p:nvPr/>
         </p:nvPicPr>
         <p:blipFill>
-          <a:blip r:embed="rId18">
+          <a:blip r:embed="rId16">
             <a:extLst>
               <a:ext uri="{28A0092B-C50C-407E-A947-70E740481C1C}">
                 <a14:useLocalDpi xmlns:a14="http://schemas.microsoft.com/office/drawing/2010/main" val="0"/>
@@ -5997,6 +5926,36 @@
               </a14:hiddenFill>
             </a:ext>
           </a:extLst>
+        </p:spPr>
+      </p:pic>
+      <p:pic>
+        <p:nvPicPr>
+          <p:cNvPr id="2" name="Imagem 1">
+            <a:extLst>
+              <a:ext uri="{FF2B5EF4-FFF2-40B4-BE49-F238E27FC236}">
+                <a16:creationId xmlns:a16="http://schemas.microsoft.com/office/drawing/2014/main" id="{14F313B2-694F-4477-A0D7-FDBC1FE577D3}"/>
+              </a:ext>
+            </a:extLst>
+          </p:cNvPr>
+          <p:cNvPicPr>
+            <a:picLocks noChangeAspect="1"/>
+          </p:cNvPicPr>
+          <p:nvPr/>
+        </p:nvPicPr>
+        <p:blipFill>
+          <a:blip r:embed="rId17"/>
+          <a:stretch>
+            <a:fillRect/>
+          </a:stretch>
+        </p:blipFill>
+        <p:spPr>
+          <a:xfrm>
+            <a:off x="7588900" y="778374"/>
+            <a:ext cx="3738153" cy="1257029"/>
+          </a:xfrm>
+          <a:prstGeom prst="rect">
+            <a:avLst/>
+          </a:prstGeom>
         </p:spPr>
       </p:pic>
     </p:spTree>

--- a/TechDayPowerBi.pptx
+++ b/TechDayPowerBi.pptx
@@ -318,7 +318,7 @@
           <a:p>
             <a:fld id="{7BB8A116-800F-4AE8-9ABF-9621476CC734}" type="datetimeFigureOut">
               <a:rPr lang="pt-BR" smtClean="0"/>
-              <a:t>23/05/2019</a:t>
+              <a:t>24/05/2019</a:t>
             </a:fld>
             <a:endParaRPr lang="pt-BR"/>
           </a:p>
@@ -488,7 +488,7 @@
           <a:p>
             <a:fld id="{7BB8A116-800F-4AE8-9ABF-9621476CC734}" type="datetimeFigureOut">
               <a:rPr lang="pt-BR" smtClean="0"/>
-              <a:t>23/05/2019</a:t>
+              <a:t>24/05/2019</a:t>
             </a:fld>
             <a:endParaRPr lang="pt-BR"/>
           </a:p>
@@ -668,7 +668,7 @@
           <a:p>
             <a:fld id="{7BB8A116-800F-4AE8-9ABF-9621476CC734}" type="datetimeFigureOut">
               <a:rPr lang="pt-BR" smtClean="0"/>
-              <a:t>23/05/2019</a:t>
+              <a:t>24/05/2019</a:t>
             </a:fld>
             <a:endParaRPr lang="pt-BR"/>
           </a:p>
@@ -838,7 +838,7 @@
           <a:p>
             <a:fld id="{7BB8A116-800F-4AE8-9ABF-9621476CC734}" type="datetimeFigureOut">
               <a:rPr lang="pt-BR" smtClean="0"/>
-              <a:t>23/05/2019</a:t>
+              <a:t>24/05/2019</a:t>
             </a:fld>
             <a:endParaRPr lang="pt-BR"/>
           </a:p>
@@ -1084,7 +1084,7 @@
           <a:p>
             <a:fld id="{7BB8A116-800F-4AE8-9ABF-9621476CC734}" type="datetimeFigureOut">
               <a:rPr lang="pt-BR" smtClean="0"/>
-              <a:t>23/05/2019</a:t>
+              <a:t>24/05/2019</a:t>
             </a:fld>
             <a:endParaRPr lang="pt-BR"/>
           </a:p>
@@ -1316,7 +1316,7 @@
           <a:p>
             <a:fld id="{7BB8A116-800F-4AE8-9ABF-9621476CC734}" type="datetimeFigureOut">
               <a:rPr lang="pt-BR" smtClean="0"/>
-              <a:t>23/05/2019</a:t>
+              <a:t>24/05/2019</a:t>
             </a:fld>
             <a:endParaRPr lang="pt-BR"/>
           </a:p>
@@ -1683,7 +1683,7 @@
           <a:p>
             <a:fld id="{7BB8A116-800F-4AE8-9ABF-9621476CC734}" type="datetimeFigureOut">
               <a:rPr lang="pt-BR" smtClean="0"/>
-              <a:t>23/05/2019</a:t>
+              <a:t>24/05/2019</a:t>
             </a:fld>
             <a:endParaRPr lang="pt-BR"/>
           </a:p>
@@ -1801,7 +1801,7 @@
           <a:p>
             <a:fld id="{7BB8A116-800F-4AE8-9ABF-9621476CC734}" type="datetimeFigureOut">
               <a:rPr lang="pt-BR" smtClean="0"/>
-              <a:t>23/05/2019</a:t>
+              <a:t>24/05/2019</a:t>
             </a:fld>
             <a:endParaRPr lang="pt-BR"/>
           </a:p>
@@ -1896,7 +1896,7 @@
           <a:p>
             <a:fld id="{7BB8A116-800F-4AE8-9ABF-9621476CC734}" type="datetimeFigureOut">
               <a:rPr lang="pt-BR" smtClean="0"/>
-              <a:t>23/05/2019</a:t>
+              <a:t>24/05/2019</a:t>
             </a:fld>
             <a:endParaRPr lang="pt-BR"/>
           </a:p>
@@ -2173,7 +2173,7 @@
           <a:p>
             <a:fld id="{7BB8A116-800F-4AE8-9ABF-9621476CC734}" type="datetimeFigureOut">
               <a:rPr lang="pt-BR" smtClean="0"/>
-              <a:t>23/05/2019</a:t>
+              <a:t>24/05/2019</a:t>
             </a:fld>
             <a:endParaRPr lang="pt-BR"/>
           </a:p>
@@ -2430,7 +2430,7 @@
           <a:p>
             <a:fld id="{7BB8A116-800F-4AE8-9ABF-9621476CC734}" type="datetimeFigureOut">
               <a:rPr lang="pt-BR" smtClean="0"/>
-              <a:t>23/05/2019</a:t>
+              <a:t>24/05/2019</a:t>
             </a:fld>
             <a:endParaRPr lang="pt-BR"/>
           </a:p>
@@ -2643,7 +2643,7 @@
           <a:p>
             <a:fld id="{7BB8A116-800F-4AE8-9ABF-9621476CC734}" type="datetimeFigureOut">
               <a:rPr lang="pt-BR" smtClean="0"/>
-              <a:t>23/05/2019</a:t>
+              <a:t>24/05/2019</a:t>
             </a:fld>
             <a:endParaRPr lang="pt-BR"/>
           </a:p>
@@ -6158,8 +6158,8 @@
         </p:nvSpPr>
         <p:spPr>
           <a:xfrm>
-            <a:off x="4740165" y="206942"/>
-            <a:ext cx="2711669" cy="769441"/>
+            <a:off x="302458" y="354086"/>
+            <a:ext cx="2304108" cy="769441"/>
           </a:xfrm>
           <a:prstGeom prst="rect">
             <a:avLst/>
